--- a/Data/sources/reduction/Mantid_nxspe_2024/cycle10_02/EiAndElasticLineForRunsEi1400.pptx
+++ b/Data/sources/reduction/Mantid_nxspe_2024/cycle10_02/EiAndElasticLineForRunsEi1400.pptx
@@ -3944,8 +3944,23 @@
                 </a:solidFill>
                 <a:effectLst/>
               </a:rPr>
-              <a:t>*** Using calculated value : 14.71</a:t>
-            </a:r>
+              <a:t>*** Using calculated value </a:t>
+            </a:r>
+            <a:r>
+              <a:rPr lang="en-GB">
+                <a:solidFill>
+                  <a:srgbClr val="000080"/>
+                </a:solidFill>
+                <a:effectLst/>
+              </a:rPr>
+              <a:t>: 11.31</a:t>
+            </a:r>
+            <a:endParaRPr lang="en-GB" dirty="0">
+              <a:solidFill>
+                <a:srgbClr val="000080"/>
+              </a:solidFill>
+              <a:effectLst/>
+            </a:endParaRPr>
           </a:p>
           <a:p>
             <a:r>
